--- a/EDA Presentation and proposed modeling technique.pptx
+++ b/EDA Presentation and proposed modeling technique.pptx
@@ -115,6 +115,11 @@
       </a:defRPr>
     </a:lvl9pPr>
   </p:defaultTextStyle>
+  <p:extLst>
+    <p:ext uri="{EFAFB233-063F-42B5-8137-9DF3F51BA10A}">
+      <p15:sldGuideLst xmlns:p15="http://schemas.microsoft.com/office/powerpoint/2012/main"/>
+    </p:ext>
+  </p:extLst>
 </p:presentation>
 </file>
 
@@ -3360,7 +3365,42 @@
           <a:p>
             <a:r>
               <a:rPr lang="en-US" dirty="0"/>
-              <a:t>Bank Campaign Market Analysis</a:t>
+              <a:t>Ad-Hoc Bank Campaign Market Analysis</a:t>
+            </a:r>
+          </a:p>
+        </p:txBody>
+      </p:sp>
+      <p:sp>
+        <p:nvSpPr>
+          <p:cNvPr id="3" name="TextBox 2">
+            <a:extLst>
+              <a:ext uri="{FF2B5EF4-FFF2-40B4-BE49-F238E27FC236}">
+                <a16:creationId xmlns:a16="http://schemas.microsoft.com/office/drawing/2014/main" id="{0711C824-E3E2-FEF3-ED38-0323B7B6D7F4}"/>
+              </a:ext>
+            </a:extLst>
+          </p:cNvPr>
+          <p:cNvSpPr txBox="1"/>
+          <p:nvPr/>
+        </p:nvSpPr>
+        <p:spPr>
+          <a:xfrm>
+            <a:off x="10314432" y="5876544"/>
+            <a:ext cx="1112677" cy="369332"/>
+          </a:xfrm>
+          <a:prstGeom prst="rect">
+            <a:avLst/>
+          </a:prstGeom>
+          <a:noFill/>
+        </p:spPr>
+        <p:txBody>
+          <a:bodyPr wrap="none" rtlCol="0">
+            <a:spAutoFit/>
+          </a:bodyPr>
+          <a:lstStyle/>
+          <a:p>
+            <a:r>
+              <a:rPr lang="en-US" dirty="0"/>
+              <a:t> Data Duo</a:t>
             </a:r>
           </a:p>
         </p:txBody>
